--- a/Query_Writing/04_Clustered_and_NonClustered_Indexes.pptx
+++ b/Query_Writing/04_Clustered_and_NonClustered_Indexes.pptx
@@ -145,14 +145,6 @@
     </p:ext>
   </p:extLst>
 </p:presentation>
-</file>
-
-<file path=ppt/revisionInfo.xml><?xml version="1.0" encoding="utf-8"?>
-<p1510:revInfo xmlns:a="http://schemas.openxmlformats.org/drawingml/2006/main" xmlns:r="http://schemas.openxmlformats.org/officeDocument/2006/relationships" xmlns:p1510="http://schemas.microsoft.com/office/powerpoint/2015/10/main">
-  <p1510:revLst>
-    <p1510:client id="{ACB6B13B-C82E-4337-9FC1-95FEA4B04EB9}" v="72" dt="2020-10-25T14:25:02.167"/>
-  </p1510:revLst>
-</p1510:revInfo>
 </file>
 
 <file path=ppt/diagrams/colors1.xml><?xml version="1.0" encoding="utf-8"?>
@@ -5880,7 +5872,7 @@
           <a:p>
             <a:fld id="{CFBA6064-FDE0-48E8-9405-22609F48ED19}" type="datetimeFigureOut">
               <a:rPr lang="en-US" smtClean="0"/>
-              <a:t>10/25/2020</a:t>
+              <a:t>11/3/2020</a:t>
             </a:fld>
             <a:endParaRPr lang="en-US"/>
           </a:p>
@@ -6917,7 +6909,14 @@
           <a:prstGeom prst="rect">
             <a:avLst/>
           </a:prstGeom>
-          <a:noFill/>
+          <a:solidFill>
+            <a:srgbClr val="000000"/>
+          </a:solidFill>
+          <a:ln>
+            <a:solidFill>
+              <a:srgbClr val="000000"/>
+            </a:solidFill>
+          </a:ln>
         </p:spPr>
         <p:txBody>
           <a:bodyPr lIns="146304" tIns="91440" rIns="146304" bIns="91440" anchor="t" anchorCtr="0"/>
@@ -6998,13 +6997,20 @@
         </p:nvSpPr>
         <p:spPr bwMode="auto">
           <a:xfrm>
-            <a:off x="267684" y="3436157"/>
-            <a:ext cx="6276531" cy="1793104"/>
+            <a:off x="267684" y="4252403"/>
+            <a:ext cx="5183205" cy="976857"/>
           </a:xfrm>
           <a:prstGeom prst="rect">
             <a:avLst/>
           </a:prstGeom>
-          <a:noFill/>
+          <a:solidFill>
+            <a:srgbClr val="000000"/>
+          </a:solidFill>
+          <a:ln>
+            <a:solidFill>
+              <a:srgbClr val="000000"/>
+            </a:solidFill>
+          </a:ln>
         </p:spPr>
         <p:txBody>
           <a:bodyPr lIns="146284" tIns="91427" rIns="146284" bIns="91427" anchor="t" anchorCtr="0"/>
@@ -7069,11 +7075,11 @@
             <a:avLst/>
           </a:prstGeom>
           <a:solidFill>
-            <a:srgbClr val="080808"/>
+            <a:srgbClr val="000000"/>
           </a:solidFill>
           <a:ln>
             <a:solidFill>
-              <a:srgbClr val="080808"/>
+              <a:srgbClr val="000000"/>
             </a:solidFill>
           </a:ln>
         </p:spPr>
@@ -7123,11 +7129,11 @@
             <a:avLst/>
           </a:prstGeom>
           <a:solidFill>
-            <a:srgbClr val="080808"/>
+            <a:srgbClr val="000000"/>
           </a:solidFill>
           <a:ln>
             <a:solidFill>
-              <a:srgbClr val="080808"/>
+              <a:srgbClr val="000000"/>
             </a:solidFill>
           </a:ln>
         </p:spPr>
@@ -7177,11 +7183,11 @@
             <a:avLst/>
           </a:prstGeom>
           <a:solidFill>
-            <a:srgbClr val="080808"/>
+            <a:srgbClr val="000000"/>
           </a:solidFill>
           <a:ln>
             <a:solidFill>
-              <a:srgbClr val="080808"/>
+              <a:srgbClr val="000000"/>
             </a:solidFill>
           </a:ln>
         </p:spPr>
@@ -8331,8 +8337,8 @@
         </p:nvSpPr>
         <p:spPr>
           <a:xfrm>
-            <a:off x="723391" y="3351270"/>
-            <a:ext cx="6275640" cy="1792850"/>
+            <a:off x="412998" y="3275769"/>
+            <a:ext cx="4452617" cy="1792850"/>
           </a:xfrm>
         </p:spPr>
         <p:txBody>
